--- a/thesis_2021/Усиков_Д_А.pptx
+++ b/thesis_2021/Усиков_Д_А.pptx
@@ -77,49 +77,7 @@
               <a:rPr b="0" lang="ru-RU" sz="4400" spc="-1" strike="noStrike">
                 <a:latin typeface="Arial"/>
               </a:rPr>
-              <a:t>Для </a:t>
-            </a:r>
-            <a:r>
-              <a:rPr b="0" lang="ru-RU" sz="4400" spc="-1" strike="noStrike">
-                <a:latin typeface="Arial"/>
-              </a:rPr>
-              <a:t>переме</a:t>
-            </a:r>
-            <a:r>
-              <a:rPr b="0" lang="ru-RU" sz="4400" spc="-1" strike="noStrike">
-                <a:latin typeface="Arial"/>
-              </a:rPr>
-              <a:t>щения </a:t>
-            </a:r>
-            <a:r>
-              <a:rPr b="0" lang="ru-RU" sz="4400" spc="-1" strike="noStrike">
-                <a:latin typeface="Arial"/>
-              </a:rPr>
-              <a:t>страни</a:t>
-            </a:r>
-            <a:r>
-              <a:rPr b="0" lang="ru-RU" sz="4400" spc="-1" strike="noStrike">
-                <a:latin typeface="Arial"/>
-              </a:rPr>
-              <a:t>цы </a:t>
-            </a:r>
-            <a:r>
-              <a:rPr b="0" lang="ru-RU" sz="4400" spc="-1" strike="noStrike">
-                <a:latin typeface="Arial"/>
-              </a:rPr>
-              <a:t>щёлкни</a:t>
-            </a:r>
-            <a:r>
-              <a:rPr b="0" lang="ru-RU" sz="4400" spc="-1" strike="noStrike">
-                <a:latin typeface="Arial"/>
-              </a:rPr>
-              <a:t>те </a:t>
-            </a:r>
-            <a:r>
-              <a:rPr b="0" lang="ru-RU" sz="4400" spc="-1" strike="noStrike">
-                <a:latin typeface="Arial"/>
-              </a:rPr>
-              <a:t>мышью</a:t>
+              <a:t>Для перемещения страницы щёлкните мышью</a:t>
             </a:r>
             <a:endParaRPr b="0" lang="ru-RU" sz="4400" spc="-1" strike="noStrike">
               <a:latin typeface="Arial"/>
@@ -297,7 +255,7 @@
           </a:bodyPr>
           <a:p>
             <a:pPr algn="r"/>
-            <a:fld id="{2C460D75-0BBB-4779-AF50-5AC5D04F40D0}" type="slidenum">
+            <a:fld id="{D1CC5BA6-7089-4519-BB54-5A9B2BDD0EAA}" type="slidenum">
               <a:rPr b="0" lang="ru-RU" sz="1400" spc="-1" strike="noStrike">
                 <a:latin typeface="Times New Roman"/>
               </a:rPr>
@@ -345,7 +303,7 @@
         <p:spPr>
           <a:xfrm>
             <a:off x="1144440" y="685800"/>
-            <a:ext cx="4547520" cy="3407760"/>
+            <a:ext cx="4547160" cy="3407400"/>
           </a:xfrm>
           <a:prstGeom prst="rect">
             <a:avLst/>
@@ -365,7 +323,7 @@
         <p:spPr>
           <a:xfrm>
             <a:off x="685800" y="4343400"/>
-            <a:ext cx="5464440" cy="4092840"/>
+            <a:ext cx="5464080" cy="4092480"/>
           </a:xfrm>
           <a:prstGeom prst="rect">
             <a:avLst/>
@@ -376,7 +334,7 @@
             <a:noAutofit/>
           </a:bodyPr>
           <a:p>
-            <a:pPr marL="216000" indent="-194400">
+            <a:pPr marL="216000" indent="-194040">
               <a:lnSpc>
                 <a:spcPct val="100000"/>
               </a:lnSpc>
@@ -389,7 +347,7 @@
             </a:endParaRPr>
           </a:p>
           <a:p>
-            <a:pPr marL="216000" indent="-194400">
+            <a:pPr marL="216000" indent="-194040">
               <a:lnSpc>
                 <a:spcPct val="100000"/>
               </a:lnSpc>
@@ -422,7 +380,7 @@
         <p:spPr>
           <a:xfrm>
             <a:off x="3884760" y="8685360"/>
-            <a:ext cx="2949840" cy="435240"/>
+            <a:ext cx="2949480" cy="434880"/>
           </a:xfrm>
           <a:prstGeom prst="rect">
             <a:avLst/>
@@ -448,7 +406,7 @@
                 <a:spcPct val="100000"/>
               </a:lnSpc>
             </a:pPr>
-            <a:fld id="{88011E6D-7540-44DB-92EF-23EC24F23DBB}" type="slidenum">
+            <a:fld id="{94DA8FCF-DB09-4998-AB44-F4CC9A1ACF1D}" type="slidenum">
               <a:rPr b="0" lang="ru-RU" sz="1200" spc="-1" strike="noStrike">
                 <a:solidFill>
                   <a:srgbClr val="000000"/>
@@ -499,7 +457,7 @@
         <p:spPr>
           <a:xfrm>
             <a:off x="1107000" y="812520"/>
-            <a:ext cx="5338080" cy="4001760"/>
+            <a:ext cx="5337720" cy="4001400"/>
           </a:xfrm>
           <a:prstGeom prst="rect">
             <a:avLst/>
@@ -519,7 +477,7 @@
         <p:spPr>
           <a:xfrm>
             <a:off x="756000" y="5078520"/>
-            <a:ext cx="6040440" cy="4803840"/>
+            <a:ext cx="6040080" cy="4803480"/>
           </a:xfrm>
           <a:prstGeom prst="rect">
             <a:avLst/>
@@ -530,7 +488,7 @@
             <a:noAutofit/>
           </a:bodyPr>
           <a:p>
-            <a:pPr marL="216000" indent="-209160">
+            <a:pPr marL="216000" indent="-208800">
               <a:lnSpc>
                 <a:spcPct val="100000"/>
               </a:lnSpc>
@@ -595,7 +553,7 @@
         <p:spPr>
           <a:xfrm>
             <a:off x="1107000" y="812520"/>
-            <a:ext cx="5338080" cy="4001760"/>
+            <a:ext cx="5337720" cy="4001400"/>
           </a:xfrm>
           <a:prstGeom prst="rect">
             <a:avLst/>
@@ -615,7 +573,7 @@
         <p:spPr>
           <a:xfrm>
             <a:off x="756000" y="5078520"/>
-            <a:ext cx="6040440" cy="4803840"/>
+            <a:ext cx="6040080" cy="4803480"/>
           </a:xfrm>
           <a:prstGeom prst="rect">
             <a:avLst/>
@@ -626,7 +584,7 @@
             <a:noAutofit/>
           </a:bodyPr>
           <a:p>
-            <a:pPr marL="216000" indent="-208800" algn="just">
+            <a:pPr marL="216000" indent="-208440" algn="just">
               <a:lnSpc>
                 <a:spcPct val="150000"/>
               </a:lnSpc>
@@ -685,7 +643,7 @@
         <p:spPr>
           <a:xfrm>
             <a:off x="1107000" y="812520"/>
-            <a:ext cx="5338080" cy="4001760"/>
+            <a:ext cx="5337720" cy="4001400"/>
           </a:xfrm>
           <a:prstGeom prst="rect">
             <a:avLst/>
@@ -705,7 +663,7 @@
         <p:spPr>
           <a:xfrm>
             <a:off x="756000" y="5078520"/>
-            <a:ext cx="6040440" cy="4803840"/>
+            <a:ext cx="6040080" cy="4803480"/>
           </a:xfrm>
           <a:prstGeom prst="rect">
             <a:avLst/>
@@ -716,7 +674,7 @@
             <a:noAutofit/>
           </a:bodyPr>
           <a:p>
-            <a:pPr marL="216000" indent="-209160">
+            <a:pPr marL="216000" indent="-208800">
               <a:lnSpc>
                 <a:spcPct val="100000"/>
               </a:lnSpc>
@@ -778,7 +736,7 @@
         <p:spPr>
           <a:xfrm>
             <a:off x="1107000" y="812520"/>
-            <a:ext cx="5338080" cy="4001760"/>
+            <a:ext cx="5337720" cy="4001400"/>
           </a:xfrm>
           <a:prstGeom prst="rect">
             <a:avLst/>
@@ -798,7 +756,7 @@
         <p:spPr>
           <a:xfrm>
             <a:off x="288000" y="4968000"/>
-            <a:ext cx="6040440" cy="4803840"/>
+            <a:ext cx="6040080" cy="4803480"/>
           </a:xfrm>
           <a:prstGeom prst="rect">
             <a:avLst/>
@@ -809,7 +767,7 @@
             <a:noAutofit/>
           </a:bodyPr>
           <a:p>
-            <a:pPr marL="216000" indent="-208800" algn="just">
+            <a:pPr marL="216000" indent="-208440" algn="just">
               <a:lnSpc>
                 <a:spcPct val="150000"/>
               </a:lnSpc>
@@ -865,7 +823,7 @@
         <p:spPr>
           <a:xfrm>
             <a:off x="1107000" y="812520"/>
-            <a:ext cx="5338080" cy="4001760"/>
+            <a:ext cx="5337720" cy="4001400"/>
           </a:xfrm>
           <a:prstGeom prst="rect">
             <a:avLst/>
@@ -885,7 +843,7 @@
         <p:spPr>
           <a:xfrm>
             <a:off x="756000" y="5078520"/>
-            <a:ext cx="6040440" cy="4803840"/>
+            <a:ext cx="6040080" cy="4803480"/>
           </a:xfrm>
           <a:prstGeom prst="rect">
             <a:avLst/>
@@ -896,7 +854,7 @@
             <a:noAutofit/>
           </a:bodyPr>
           <a:p>
-            <a:pPr marL="216000" indent="-209160">
+            <a:pPr marL="216000" indent="-208800">
               <a:lnSpc>
                 <a:spcPct val="100000"/>
               </a:lnSpc>
@@ -951,7 +909,7 @@
         <p:spPr>
           <a:xfrm>
             <a:off x="1144440" y="685800"/>
-            <a:ext cx="4547880" cy="3408120"/>
+            <a:ext cx="4547520" cy="3407760"/>
           </a:xfrm>
           <a:prstGeom prst="rect">
             <a:avLst/>
@@ -971,7 +929,7 @@
         <p:spPr>
           <a:xfrm>
             <a:off x="685800" y="4343400"/>
-            <a:ext cx="5464440" cy="4092840"/>
+            <a:ext cx="5464080" cy="4092480"/>
           </a:xfrm>
           <a:prstGeom prst="rect">
             <a:avLst/>
@@ -982,7 +940,7 @@
             <a:noAutofit/>
           </a:bodyPr>
           <a:p>
-            <a:pPr marL="216000" indent="-194400">
+            <a:pPr marL="216000" indent="-194040">
               <a:lnSpc>
                 <a:spcPct val="100000"/>
               </a:lnSpc>
@@ -1011,7 +969,7 @@
         <p:spPr>
           <a:xfrm>
             <a:off x="3884760" y="8685360"/>
-            <a:ext cx="2949840" cy="435240"/>
+            <a:ext cx="2949480" cy="434880"/>
           </a:xfrm>
           <a:prstGeom prst="rect">
             <a:avLst/>
@@ -1037,7 +995,7 @@
                 <a:spcPct val="100000"/>
               </a:lnSpc>
             </a:pPr>
-            <a:fld id="{D96FEF13-1310-42C5-A1B8-D20CC850729F}" type="slidenum">
+            <a:fld id="{024568C3-2117-4A37-8DD0-7748B465A98F}" type="slidenum">
               <a:rPr b="0" lang="ru-RU" sz="1200" spc="-1" strike="noStrike">
                 <a:solidFill>
                   <a:srgbClr val="000000"/>
@@ -1088,7 +1046,7 @@
         <p:spPr>
           <a:xfrm>
             <a:off x="1144440" y="685800"/>
-            <a:ext cx="4547520" cy="3407760"/>
+            <a:ext cx="4547160" cy="3407400"/>
           </a:xfrm>
           <a:prstGeom prst="rect">
             <a:avLst/>
@@ -1108,7 +1066,7 @@
         <p:spPr>
           <a:xfrm>
             <a:off x="685800" y="4343400"/>
-            <a:ext cx="5464440" cy="4092840"/>
+            <a:ext cx="5464080" cy="4092480"/>
           </a:xfrm>
           <a:prstGeom prst="rect">
             <a:avLst/>
@@ -1119,7 +1077,7 @@
             <a:noAutofit/>
           </a:bodyPr>
           <a:p>
-            <a:pPr marL="216000" indent="-194400">
+            <a:pPr marL="216000" indent="-194040">
               <a:lnSpc>
                 <a:spcPct val="100000"/>
               </a:lnSpc>
@@ -1138,7 +1096,7 @@
             </a:endParaRPr>
           </a:p>
           <a:p>
-            <a:pPr marL="216000" indent="-194400">
+            <a:pPr marL="216000" indent="-194040">
               <a:lnSpc>
                 <a:spcPct val="100000"/>
               </a:lnSpc>
@@ -1157,7 +1115,7 @@
             </a:endParaRPr>
           </a:p>
           <a:p>
-            <a:pPr marL="216000" indent="-194400">
+            <a:pPr marL="216000" indent="-194040">
               <a:lnSpc>
                 <a:spcPct val="100000"/>
               </a:lnSpc>
@@ -1170,7 +1128,7 @@
             </a:endParaRPr>
           </a:p>
           <a:p>
-            <a:pPr marL="216000" indent="-194400">
+            <a:pPr marL="216000" indent="-194040">
               <a:lnSpc>
                 <a:spcPct val="100000"/>
               </a:lnSpc>
@@ -1189,7 +1147,7 @@
             </a:endParaRPr>
           </a:p>
           <a:p>
-            <a:pPr marL="216000" indent="-194400">
+            <a:pPr marL="216000" indent="-194040">
               <a:lnSpc>
                 <a:spcPct val="100000"/>
               </a:lnSpc>
@@ -1208,7 +1166,7 @@
             </a:endParaRPr>
           </a:p>
           <a:p>
-            <a:pPr marL="216000" indent="-194400">
+            <a:pPr marL="216000" indent="-194040">
               <a:lnSpc>
                 <a:spcPct val="100000"/>
               </a:lnSpc>
@@ -1237,7 +1195,7 @@
         <p:spPr>
           <a:xfrm>
             <a:off x="3884760" y="8685360"/>
-            <a:ext cx="2949840" cy="435240"/>
+            <a:ext cx="2949480" cy="434880"/>
           </a:xfrm>
           <a:prstGeom prst="rect">
             <a:avLst/>
@@ -1263,7 +1221,7 @@
                 <a:spcPct val="100000"/>
               </a:lnSpc>
             </a:pPr>
-            <a:fld id="{1739583B-4169-4E62-9E8F-4AEED33DD417}" type="slidenum">
+            <a:fld id="{C1106091-D9E2-457A-B10F-315C814B8B7D}" type="slidenum">
               <a:rPr b="0" lang="ru-RU" sz="1200" spc="-1" strike="noStrike">
                 <a:solidFill>
                   <a:srgbClr val="000000"/>
@@ -1314,7 +1272,7 @@
         <p:spPr>
           <a:xfrm>
             <a:off x="1144440" y="685800"/>
-            <a:ext cx="4547520" cy="3407760"/>
+            <a:ext cx="4547160" cy="3407400"/>
           </a:xfrm>
           <a:prstGeom prst="rect">
             <a:avLst/>
@@ -1334,7 +1292,7 @@
         <p:spPr>
           <a:xfrm>
             <a:off x="685800" y="4343400"/>
-            <a:ext cx="5464440" cy="4092840"/>
+            <a:ext cx="5464080" cy="4092480"/>
           </a:xfrm>
           <a:prstGeom prst="rect">
             <a:avLst/>
@@ -1345,7 +1303,7 @@
             <a:noAutofit/>
           </a:bodyPr>
           <a:p>
-            <a:pPr marL="216000" indent="-194400">
+            <a:pPr marL="216000" indent="-194040">
               <a:lnSpc>
                 <a:spcPct val="100000"/>
               </a:lnSpc>
@@ -1368,7 +1326,7 @@
             </a:endParaRPr>
           </a:p>
           <a:p>
-            <a:pPr marL="216000" indent="-194400">
+            <a:pPr marL="216000" indent="-194040">
               <a:lnSpc>
                 <a:spcPct val="100000"/>
               </a:lnSpc>
@@ -1391,7 +1349,7 @@
             </a:endParaRPr>
           </a:p>
           <a:p>
-            <a:pPr marL="216000" indent="-194400">
+            <a:pPr marL="216000" indent="-194040">
               <a:lnSpc>
                 <a:spcPct val="100000"/>
               </a:lnSpc>
@@ -1404,7 +1362,7 @@
             </a:endParaRPr>
           </a:p>
           <a:p>
-            <a:pPr marL="216000" indent="-194400">
+            <a:pPr marL="216000" indent="-194040">
               <a:lnSpc>
                 <a:spcPct val="100000"/>
               </a:lnSpc>
@@ -1417,7 +1375,7 @@
             </a:endParaRPr>
           </a:p>
           <a:p>
-            <a:pPr marL="216000" indent="-194400">
+            <a:pPr marL="216000" indent="-194040">
               <a:lnSpc>
                 <a:spcPct val="100000"/>
               </a:lnSpc>
@@ -1450,7 +1408,7 @@
         <p:spPr>
           <a:xfrm>
             <a:off x="3884760" y="8685360"/>
-            <a:ext cx="2949840" cy="435240"/>
+            <a:ext cx="2949480" cy="434880"/>
           </a:xfrm>
           <a:prstGeom prst="rect">
             <a:avLst/>
@@ -1476,7 +1434,7 @@
                 <a:spcPct val="100000"/>
               </a:lnSpc>
             </a:pPr>
-            <a:fld id="{A58B0985-953F-444C-950B-E24E167948A6}" type="slidenum">
+            <a:fld id="{08E0A83A-5483-483B-A952-7DDE3D5BFC32}" type="slidenum">
               <a:rPr b="0" lang="ru-RU" sz="1200" spc="-1" strike="noStrike">
                 <a:solidFill>
                   <a:srgbClr val="000000"/>
@@ -1527,7 +1485,7 @@
         <p:spPr>
           <a:xfrm>
             <a:off x="1144440" y="685800"/>
-            <a:ext cx="4547520" cy="3407760"/>
+            <a:ext cx="4547160" cy="3407400"/>
           </a:xfrm>
           <a:prstGeom prst="rect">
             <a:avLst/>
@@ -1547,7 +1505,7 @@
         <p:spPr>
           <a:xfrm>
             <a:off x="685800" y="4343400"/>
-            <a:ext cx="5464440" cy="4092840"/>
+            <a:ext cx="5464080" cy="4092480"/>
           </a:xfrm>
           <a:prstGeom prst="rect">
             <a:avLst/>
@@ -1558,7 +1516,7 @@
             <a:noAutofit/>
           </a:bodyPr>
           <a:p>
-            <a:pPr marL="216000" indent="-200880">
+            <a:pPr marL="216000" indent="-200520">
               <a:lnSpc>
                 <a:spcPct val="100000"/>
               </a:lnSpc>
@@ -1577,7 +1535,7 @@
             </a:endParaRPr>
           </a:p>
           <a:p>
-            <a:pPr marL="216000" indent="-200880">
+            <a:pPr marL="216000" indent="-200520">
               <a:lnSpc>
                 <a:spcPct val="100000"/>
               </a:lnSpc>
@@ -1606,7 +1564,7 @@
         <p:spPr>
           <a:xfrm>
             <a:off x="3884760" y="8685360"/>
-            <a:ext cx="2949840" cy="435240"/>
+            <a:ext cx="2949480" cy="434880"/>
           </a:xfrm>
           <a:prstGeom prst="rect">
             <a:avLst/>
@@ -1632,7 +1590,7 @@
                 <a:spcPct val="100000"/>
               </a:lnSpc>
             </a:pPr>
-            <a:fld id="{1D9D0FEA-55E0-42BD-9978-2E1CF2F64DF1}" type="slidenum">
+            <a:fld id="{762C13AE-FA9A-426D-8806-D5DDC5988E25}" type="slidenum">
               <a:rPr b="0" lang="ru-RU" sz="1200" spc="-1" strike="noStrike">
                 <a:solidFill>
                   <a:srgbClr val="000000"/>
@@ -1683,7 +1641,7 @@
         <p:spPr>
           <a:xfrm>
             <a:off x="1144440" y="685800"/>
-            <a:ext cx="4547520" cy="3407760"/>
+            <a:ext cx="4547160" cy="3407400"/>
           </a:xfrm>
           <a:prstGeom prst="rect">
             <a:avLst/>
@@ -1703,7 +1661,7 @@
         <p:spPr>
           <a:xfrm>
             <a:off x="685800" y="4343400"/>
-            <a:ext cx="5464440" cy="4092840"/>
+            <a:ext cx="5464080" cy="4092480"/>
           </a:xfrm>
           <a:prstGeom prst="rect">
             <a:avLst/>
@@ -1714,7 +1672,7 @@
             <a:noAutofit/>
           </a:bodyPr>
           <a:p>
-            <a:pPr marL="216000" indent="-194400">
+            <a:pPr marL="216000" indent="-194040">
               <a:lnSpc>
                 <a:spcPct val="100000"/>
               </a:lnSpc>
@@ -1737,7 +1695,7 @@
             </a:endParaRPr>
           </a:p>
           <a:p>
-            <a:pPr marL="216000" indent="-194400">
+            <a:pPr marL="216000" indent="-194040">
               <a:lnSpc>
                 <a:spcPct val="100000"/>
               </a:lnSpc>
@@ -1760,7 +1718,7 @@
             </a:endParaRPr>
           </a:p>
           <a:p>
-            <a:pPr marL="216000" indent="-194400">
+            <a:pPr marL="216000" indent="-194040">
               <a:lnSpc>
                 <a:spcPct val="100000"/>
               </a:lnSpc>
@@ -1783,7 +1741,7 @@
             </a:endParaRPr>
           </a:p>
           <a:p>
-            <a:pPr marL="216000" indent="-194400">
+            <a:pPr marL="216000" indent="-194040">
               <a:lnSpc>
                 <a:spcPct val="100000"/>
               </a:lnSpc>
@@ -1806,7 +1764,7 @@
         <p:spPr>
           <a:xfrm>
             <a:off x="3884760" y="8685360"/>
-            <a:ext cx="2949840" cy="435240"/>
+            <a:ext cx="2949480" cy="434880"/>
           </a:xfrm>
           <a:prstGeom prst="rect">
             <a:avLst/>
@@ -1832,7 +1790,7 @@
                 <a:spcPct val="100000"/>
               </a:lnSpc>
             </a:pPr>
-            <a:fld id="{5A6BCAB1-9B70-4798-9C1F-C67E71471FA4}" type="slidenum">
+            <a:fld id="{7CF2939A-9719-4EEF-A587-BB7E2B0C1CE9}" type="slidenum">
               <a:rPr b="0" lang="ru-RU" sz="1200" spc="-1" strike="noStrike">
                 <a:solidFill>
                   <a:srgbClr val="000000"/>
@@ -1883,7 +1841,7 @@
         <p:spPr>
           <a:xfrm>
             <a:off x="1144440" y="685800"/>
-            <a:ext cx="4547520" cy="3407760"/>
+            <a:ext cx="4547160" cy="3407400"/>
           </a:xfrm>
           <a:prstGeom prst="rect">
             <a:avLst/>
@@ -1903,7 +1861,7 @@
         <p:spPr>
           <a:xfrm>
             <a:off x="685800" y="4343400"/>
-            <a:ext cx="5464440" cy="4092840"/>
+            <a:ext cx="5464080" cy="4092480"/>
           </a:xfrm>
           <a:prstGeom prst="rect">
             <a:avLst/>
@@ -1914,7 +1872,7 @@
             <a:noAutofit/>
           </a:bodyPr>
           <a:p>
-            <a:pPr marL="216000" indent="-194400">
+            <a:pPr marL="216000" indent="-194040">
               <a:lnSpc>
                 <a:spcPct val="100000"/>
               </a:lnSpc>
@@ -1947,7 +1905,7 @@
             </a:endParaRPr>
           </a:p>
           <a:p>
-            <a:pPr marL="216000" indent="-194400">
+            <a:pPr marL="216000" indent="-194040">
               <a:lnSpc>
                 <a:spcPct val="100000"/>
               </a:lnSpc>
@@ -1980,7 +1938,7 @@
         <p:spPr>
           <a:xfrm>
             <a:off x="3884760" y="8685360"/>
-            <a:ext cx="2949840" cy="435240"/>
+            <a:ext cx="2949480" cy="434880"/>
           </a:xfrm>
           <a:prstGeom prst="rect">
             <a:avLst/>
@@ -2006,7 +1964,7 @@
                 <a:spcPct val="100000"/>
               </a:lnSpc>
             </a:pPr>
-            <a:fld id="{D7BC925D-5016-4A82-BFB9-9CFA091EB020}" type="slidenum">
+            <a:fld id="{92E961FA-F8F6-4792-B726-668353E8C5F0}" type="slidenum">
               <a:rPr b="0" lang="ru-RU" sz="1200" spc="-1" strike="noStrike">
                 <a:solidFill>
                   <a:srgbClr val="000000"/>
@@ -2057,7 +2015,7 @@
         <p:spPr>
           <a:xfrm>
             <a:off x="1144440" y="685800"/>
-            <a:ext cx="4547880" cy="3408120"/>
+            <a:ext cx="4547520" cy="3407760"/>
           </a:xfrm>
           <a:prstGeom prst="rect">
             <a:avLst/>
@@ -2077,7 +2035,7 @@
         <p:spPr>
           <a:xfrm>
             <a:off x="685800" y="4343400"/>
-            <a:ext cx="5464440" cy="4092840"/>
+            <a:ext cx="5464080" cy="4092480"/>
           </a:xfrm>
           <a:prstGeom prst="rect">
             <a:avLst/>
@@ -2088,7 +2046,7 @@
             <a:noAutofit/>
           </a:bodyPr>
           <a:p>
-            <a:pPr marL="216000" indent="-194400">
+            <a:pPr marL="216000" indent="-194040">
               <a:lnSpc>
                 <a:spcPct val="100000"/>
               </a:lnSpc>
@@ -2107,7 +2065,7 @@
             </a:endParaRPr>
           </a:p>
           <a:p>
-            <a:pPr marL="216000" indent="-194400">
+            <a:pPr marL="216000" indent="-194040">
               <a:lnSpc>
                 <a:spcPct val="100000"/>
               </a:lnSpc>
@@ -2136,7 +2094,7 @@
         <p:spPr>
           <a:xfrm>
             <a:off x="3884760" y="8685360"/>
-            <a:ext cx="2949840" cy="435240"/>
+            <a:ext cx="2949480" cy="434880"/>
           </a:xfrm>
           <a:prstGeom prst="rect">
             <a:avLst/>
@@ -2162,7 +2120,7 @@
                 <a:spcPct val="100000"/>
               </a:lnSpc>
             </a:pPr>
-            <a:fld id="{F94EA9A6-D56A-4EDE-A839-42F3F545A885}" type="slidenum">
+            <a:fld id="{DC298E97-E6A8-41B9-A787-EA882669BEDE}" type="slidenum">
               <a:rPr b="0" lang="ru-RU" sz="1200" spc="-1" strike="noStrike">
                 <a:solidFill>
                   <a:srgbClr val="000000"/>
@@ -2213,7 +2171,7 @@
         <p:spPr>
           <a:xfrm>
             <a:off x="1144440" y="685800"/>
-            <a:ext cx="4547520" cy="3407760"/>
+            <a:ext cx="4547160" cy="3407400"/>
           </a:xfrm>
           <a:prstGeom prst="rect">
             <a:avLst/>
@@ -2233,7 +2191,7 @@
         <p:spPr>
           <a:xfrm>
             <a:off x="685800" y="4343400"/>
-            <a:ext cx="5464440" cy="4092840"/>
+            <a:ext cx="5464080" cy="4092480"/>
           </a:xfrm>
           <a:prstGeom prst="rect">
             <a:avLst/>
@@ -2244,7 +2202,7 @@
             <a:noAutofit/>
           </a:bodyPr>
           <a:p>
-            <a:pPr marL="216000" indent="-194400">
+            <a:pPr marL="216000" indent="-194040">
               <a:lnSpc>
                 <a:spcPct val="100000"/>
               </a:lnSpc>
@@ -2267,7 +2225,7 @@
             </a:endParaRPr>
           </a:p>
           <a:p>
-            <a:pPr marL="216000" indent="-194400">
+            <a:pPr marL="216000" indent="-194040">
               <a:lnSpc>
                 <a:spcPct val="100000"/>
               </a:lnSpc>
@@ -2290,7 +2248,7 @@
             </a:endParaRPr>
           </a:p>
           <a:p>
-            <a:pPr marL="216000" indent="-194400">
+            <a:pPr marL="216000" indent="-194040">
               <a:lnSpc>
                 <a:spcPct val="100000"/>
               </a:lnSpc>
@@ -2303,7 +2261,7 @@
             </a:endParaRPr>
           </a:p>
           <a:p>
-            <a:pPr marL="216000" indent="-194400">
+            <a:pPr marL="216000" indent="-194040">
               <a:lnSpc>
                 <a:spcPct val="100000"/>
               </a:lnSpc>
@@ -2336,7 +2294,7 @@
         <p:spPr>
           <a:xfrm>
             <a:off x="3884760" y="8685360"/>
-            <a:ext cx="2949840" cy="435240"/>
+            <a:ext cx="2949480" cy="434880"/>
           </a:xfrm>
           <a:prstGeom prst="rect">
             <a:avLst/>
@@ -2362,7 +2320,7 @@
                 <a:spcPct val="100000"/>
               </a:lnSpc>
             </a:pPr>
-            <a:fld id="{C0E1DF71-59E8-4016-9B31-7AB3E7E1DAE7}" type="slidenum">
+            <a:fld id="{CC5711E4-0B5C-4FE1-BC78-B271D2F58978}" type="slidenum">
               <a:rPr b="0" lang="ru-RU" sz="1200" spc="-1" strike="noStrike">
                 <a:solidFill>
                   <a:srgbClr val="000000"/>
@@ -2760,7 +2718,7 @@
         </p:spPr>
         <p:txBody>
           <a:bodyPr lIns="0" rIns="0" tIns="0" bIns="0">
-            <a:normAutofit fontScale="76000"/>
+            <a:normAutofit fontScale="75000"/>
           </a:bodyPr>
           <a:p>
             <a:endParaRPr b="0" lang="ru-RU" sz="3200" spc="-1" strike="noStrike">
@@ -2790,7 +2748,7 @@
         </p:spPr>
         <p:txBody>
           <a:bodyPr lIns="0" rIns="0" tIns="0" bIns="0">
-            <a:normAutofit fontScale="76000"/>
+            <a:normAutofit fontScale="75000"/>
           </a:bodyPr>
           <a:p>
             <a:endParaRPr b="0" lang="ru-RU" sz="3200" spc="-1" strike="noStrike">
@@ -2820,7 +2778,7 @@
         </p:spPr>
         <p:txBody>
           <a:bodyPr lIns="0" rIns="0" tIns="0" bIns="0">
-            <a:normAutofit fontScale="76000"/>
+            <a:normAutofit fontScale="75000"/>
           </a:bodyPr>
           <a:p>
             <a:endParaRPr b="0" lang="ru-RU" sz="3200" spc="-1" strike="noStrike">
@@ -2850,7 +2808,7 @@
         </p:spPr>
         <p:txBody>
           <a:bodyPr lIns="0" rIns="0" tIns="0" bIns="0">
-            <a:normAutofit fontScale="76000"/>
+            <a:normAutofit fontScale="75000"/>
           </a:bodyPr>
           <a:p>
             <a:endParaRPr b="0" lang="ru-RU" sz="3200" spc="-1" strike="noStrike">
@@ -2880,7 +2838,7 @@
         </p:spPr>
         <p:txBody>
           <a:bodyPr lIns="0" rIns="0" tIns="0" bIns="0">
-            <a:normAutofit fontScale="76000"/>
+            <a:normAutofit fontScale="75000"/>
           </a:bodyPr>
           <a:p>
             <a:endParaRPr b="0" lang="ru-RU" sz="3200" spc="-1" strike="noStrike">
@@ -2910,7 +2868,7 @@
         </p:spPr>
         <p:txBody>
           <a:bodyPr lIns="0" rIns="0" tIns="0" bIns="0">
-            <a:normAutofit fontScale="76000"/>
+            <a:normAutofit fontScale="75000"/>
           </a:bodyPr>
           <a:p>
             <a:endParaRPr b="0" lang="ru-RU" sz="3200" spc="-1" strike="noStrike">
@@ -4200,7 +4158,7 @@
         </p:spPr>
         <p:txBody>
           <a:bodyPr lIns="0" rIns="0" tIns="0" bIns="0">
-            <a:normAutofit fontScale="76000"/>
+            <a:normAutofit fontScale="75000"/>
           </a:bodyPr>
           <a:p>
             <a:endParaRPr b="0" lang="ru-RU" sz="3200" spc="-1" strike="noStrike">
@@ -4230,7 +4188,7 @@
         </p:spPr>
         <p:txBody>
           <a:bodyPr lIns="0" rIns="0" tIns="0" bIns="0">
-            <a:normAutofit fontScale="76000"/>
+            <a:normAutofit fontScale="75000"/>
           </a:bodyPr>
           <a:p>
             <a:endParaRPr b="0" lang="ru-RU" sz="3200" spc="-1" strike="noStrike">
@@ -4260,7 +4218,7 @@
         </p:spPr>
         <p:txBody>
           <a:bodyPr lIns="0" rIns="0" tIns="0" bIns="0">
-            <a:normAutofit fontScale="76000"/>
+            <a:normAutofit fontScale="75000"/>
           </a:bodyPr>
           <a:p>
             <a:endParaRPr b="0" lang="ru-RU" sz="3200" spc="-1" strike="noStrike">
@@ -4290,7 +4248,7 @@
         </p:spPr>
         <p:txBody>
           <a:bodyPr lIns="0" rIns="0" tIns="0" bIns="0">
-            <a:normAutofit fontScale="76000"/>
+            <a:normAutofit fontScale="75000"/>
           </a:bodyPr>
           <a:p>
             <a:endParaRPr b="0" lang="ru-RU" sz="3200" spc="-1" strike="noStrike">
@@ -4320,7 +4278,7 @@
         </p:spPr>
         <p:txBody>
           <a:bodyPr lIns="0" rIns="0" tIns="0" bIns="0">
-            <a:normAutofit fontScale="76000"/>
+            <a:normAutofit fontScale="75000"/>
           </a:bodyPr>
           <a:p>
             <a:endParaRPr b="0" lang="ru-RU" sz="3200" spc="-1" strike="noStrike">
@@ -4350,7 +4308,7 @@
         </p:spPr>
         <p:txBody>
           <a:bodyPr lIns="0" rIns="0" tIns="0" bIns="0">
-            <a:normAutofit fontScale="76000"/>
+            <a:normAutofit fontScale="75000"/>
           </a:bodyPr>
           <a:p>
             <a:endParaRPr b="0" lang="ru-RU" sz="3200" spc="-1" strike="noStrike">
@@ -5148,49 +5106,7 @@
               <a:rPr b="0" lang="ru-RU" sz="4400" spc="-1" strike="noStrike">
                 <a:latin typeface="Arial"/>
               </a:rPr>
-              <a:t>Для </a:t>
-            </a:r>
-            <a:r>
-              <a:rPr b="0" lang="ru-RU" sz="4400" spc="-1" strike="noStrike">
-                <a:latin typeface="Arial"/>
-              </a:rPr>
-              <a:t>правки </a:t>
-            </a:r>
-            <a:r>
-              <a:rPr b="0" lang="ru-RU" sz="4400" spc="-1" strike="noStrike">
-                <a:latin typeface="Arial"/>
-              </a:rPr>
-              <a:t>текста </a:t>
-            </a:r>
-            <a:r>
-              <a:rPr b="0" lang="ru-RU" sz="4400" spc="-1" strike="noStrike">
-                <a:latin typeface="Arial"/>
-              </a:rPr>
-              <a:t>заглави</a:t>
-            </a:r>
-            <a:r>
-              <a:rPr b="0" lang="ru-RU" sz="4400" spc="-1" strike="noStrike">
-                <a:latin typeface="Arial"/>
-              </a:rPr>
-              <a:t>я </a:t>
-            </a:r>
-            <a:r>
-              <a:rPr b="0" lang="ru-RU" sz="4400" spc="-1" strike="noStrike">
-                <a:latin typeface="Arial"/>
-              </a:rPr>
-              <a:t>щёлкни</a:t>
-            </a:r>
-            <a:r>
-              <a:rPr b="0" lang="ru-RU" sz="4400" spc="-1" strike="noStrike">
-                <a:latin typeface="Arial"/>
-              </a:rPr>
-              <a:t>те </a:t>
-            </a:r>
-            <a:r>
-              <a:rPr b="0" lang="ru-RU" sz="4400" spc="-1" strike="noStrike">
-                <a:latin typeface="Arial"/>
-              </a:rPr>
-              <a:t>мышью</a:t>
+              <a:t>Для правки текста заглавия щёлкните мышью</a:t>
             </a:r>
             <a:endParaRPr b="0" lang="ru-RU" sz="4400" spc="-1" strike="noStrike">
               <a:latin typeface="Arial"/>
@@ -5450,49 +5366,7 @@
               <a:rPr b="0" lang="ru-RU" sz="4400" spc="-1" strike="noStrike">
                 <a:latin typeface="Arial"/>
               </a:rPr>
-              <a:t>Для </a:t>
-            </a:r>
-            <a:r>
-              <a:rPr b="0" lang="ru-RU" sz="4400" spc="-1" strike="noStrike">
-                <a:latin typeface="Arial"/>
-              </a:rPr>
-              <a:t>правки </a:t>
-            </a:r>
-            <a:r>
-              <a:rPr b="0" lang="ru-RU" sz="4400" spc="-1" strike="noStrike">
-                <a:latin typeface="Arial"/>
-              </a:rPr>
-              <a:t>текста </a:t>
-            </a:r>
-            <a:r>
-              <a:rPr b="0" lang="ru-RU" sz="4400" spc="-1" strike="noStrike">
-                <a:latin typeface="Arial"/>
-              </a:rPr>
-              <a:t>заглави</a:t>
-            </a:r>
-            <a:r>
-              <a:rPr b="0" lang="ru-RU" sz="4400" spc="-1" strike="noStrike">
-                <a:latin typeface="Arial"/>
-              </a:rPr>
-              <a:t>я </a:t>
-            </a:r>
-            <a:r>
-              <a:rPr b="0" lang="ru-RU" sz="4400" spc="-1" strike="noStrike">
-                <a:latin typeface="Arial"/>
-              </a:rPr>
-              <a:t>щёлкни</a:t>
-            </a:r>
-            <a:r>
-              <a:rPr b="0" lang="ru-RU" sz="4400" spc="-1" strike="noStrike">
-                <a:latin typeface="Arial"/>
-              </a:rPr>
-              <a:t>те </a:t>
-            </a:r>
-            <a:r>
-              <a:rPr b="0" lang="ru-RU" sz="4400" spc="-1" strike="noStrike">
-                <a:latin typeface="Arial"/>
-              </a:rPr>
-              <a:t>мышью</a:t>
+              <a:t>Для правки текста заглавия щёлкните мышью</a:t>
             </a:r>
             <a:endParaRPr b="0" lang="ru-RU" sz="4400" spc="-1" strike="noStrike">
               <a:latin typeface="Arial"/>
@@ -5725,7 +5599,7 @@
         <p:spPr>
           <a:xfrm>
             <a:off x="685800" y="2130480"/>
-            <a:ext cx="7750440" cy="1447920"/>
+            <a:ext cx="7750080" cy="1447560"/>
           </a:xfrm>
           <a:prstGeom prst="rect">
             <a:avLst/>
@@ -5776,7 +5650,7 @@
         <p:spPr>
           <a:xfrm>
             <a:off x="1371600" y="3886200"/>
-            <a:ext cx="6378840" cy="1730520"/>
+            <a:ext cx="6378480" cy="1730160"/>
           </a:xfrm>
           <a:prstGeom prst="rect">
             <a:avLst/>
@@ -5801,7 +5675,7 @@
         </p:nvGraphicFramePr>
         <p:xfrm>
           <a:off x="2627640" y="5445360"/>
-          <a:ext cx="6515640" cy="849960"/>
+          <a:ext cx="6515640" cy="1032840"/>
         </p:xfrm>
         <a:graphic>
           <a:graphicData uri="http://schemas.openxmlformats.org/drawingml/2006/table">
@@ -6176,7 +6050,7 @@
         <p:spPr>
           <a:xfrm>
             <a:off x="815400" y="3894120"/>
-            <a:ext cx="3231000" cy="2421000"/>
+            <a:ext cx="3230640" cy="2420640"/>
           </a:xfrm>
           <a:prstGeom prst="rect">
             <a:avLst/>
@@ -6199,7 +6073,7 @@
         <p:spPr>
           <a:xfrm>
             <a:off x="854280" y="1176120"/>
-            <a:ext cx="3231000" cy="2421000"/>
+            <a:ext cx="3230640" cy="2420640"/>
           </a:xfrm>
           <a:prstGeom prst="rect">
             <a:avLst/>
@@ -6222,7 +6096,7 @@
         <p:spPr>
           <a:xfrm>
             <a:off x="4958280" y="1186920"/>
-            <a:ext cx="3231000" cy="2338200"/>
+            <a:ext cx="3230640" cy="2337840"/>
           </a:xfrm>
           <a:prstGeom prst="rect">
             <a:avLst/>
@@ -6245,7 +6119,7 @@
         <p:spPr>
           <a:xfrm>
             <a:off x="4886280" y="4074480"/>
-            <a:ext cx="3375000" cy="2619000"/>
+            <a:ext cx="3374640" cy="2618640"/>
           </a:xfrm>
           <a:prstGeom prst="rect">
             <a:avLst/>
@@ -6268,7 +6142,7 @@
         <p:spPr>
           <a:xfrm>
             <a:off x="5030280" y="3930480"/>
-            <a:ext cx="3231000" cy="2507040"/>
+            <a:ext cx="3230640" cy="2506680"/>
           </a:xfrm>
           <a:prstGeom prst="rect">
             <a:avLst/>
@@ -6287,7 +6161,7 @@
         <p:spPr>
           <a:xfrm>
             <a:off x="447480" y="1318320"/>
-            <a:ext cx="8207640" cy="4503960"/>
+            <a:ext cx="8207280" cy="4503600"/>
           </a:xfrm>
           <a:prstGeom prst="rect">
             <a:avLst/>
@@ -6313,7 +6187,7 @@
         <p:spPr>
           <a:xfrm>
             <a:off x="8460360" y="0"/>
-            <a:ext cx="670320" cy="455400"/>
+            <a:ext cx="669960" cy="455400"/>
           </a:xfrm>
           <a:prstGeom prst="rect">
             <a:avLst/>
@@ -6339,7 +6213,7 @@
                 <a:spcPct val="100000"/>
               </a:lnSpc>
             </a:pPr>
-            <a:fld id="{4DF940AA-09D2-43D8-BE97-37B8769FC0E0}" type="slidenum">
+            <a:fld id="{4E56AABA-6FFC-4032-AB27-F4E36DFBE6EB}" type="slidenum">
               <a:rPr b="0" lang="ru-RU" sz="2400" spc="-1" strike="noStrike">
                 <a:solidFill>
                   <a:srgbClr val="000000"/>
@@ -6364,7 +6238,7 @@
         <p:spPr>
           <a:xfrm>
             <a:off x="4886280" y="3606120"/>
-            <a:ext cx="3503880" cy="589320"/>
+            <a:ext cx="3503520" cy="588960"/>
           </a:xfrm>
           <a:prstGeom prst="rect">
             <a:avLst/>
@@ -6415,7 +6289,7 @@
         <p:spPr>
           <a:xfrm>
             <a:off x="4825440" y="915840"/>
-            <a:ext cx="3503880" cy="589320"/>
+            <a:ext cx="3503520" cy="588960"/>
           </a:xfrm>
           <a:prstGeom prst="rect">
             <a:avLst/>
@@ -6466,7 +6340,7 @@
         <p:spPr>
           <a:xfrm>
             <a:off x="782280" y="3606120"/>
-            <a:ext cx="3503880" cy="589320"/>
+            <a:ext cx="3503520" cy="588960"/>
           </a:xfrm>
           <a:prstGeom prst="rect">
             <a:avLst/>
@@ -6517,7 +6391,7 @@
         <p:spPr>
           <a:xfrm>
             <a:off x="710280" y="915840"/>
-            <a:ext cx="3503880" cy="589320"/>
+            <a:ext cx="3503520" cy="588960"/>
           </a:xfrm>
           <a:prstGeom prst="rect">
             <a:avLst/>
@@ -6578,7 +6452,7 @@
         <p:spPr>
           <a:xfrm>
             <a:off x="457200" y="72000"/>
-            <a:ext cx="8207640" cy="1121040"/>
+            <a:ext cx="8207280" cy="1120680"/>
           </a:xfrm>
           <a:prstGeom prst="rect">
             <a:avLst/>
@@ -6629,7 +6503,7 @@
         <p:spPr>
           <a:xfrm>
             <a:off x="457200" y="72000"/>
-            <a:ext cx="8207640" cy="1121040"/>
+            <a:ext cx="8207280" cy="1120680"/>
           </a:xfrm>
           <a:prstGeom prst="rect">
             <a:avLst/>
@@ -6689,7 +6563,7 @@
         <p:spPr>
           <a:xfrm>
             <a:off x="576000" y="1368000"/>
-            <a:ext cx="3231360" cy="2338560"/>
+            <a:ext cx="3231000" cy="2338200"/>
           </a:xfrm>
           <a:prstGeom prst="rect">
             <a:avLst/>
@@ -6708,7 +6582,7 @@
         <p:spPr>
           <a:xfrm>
             <a:off x="576000" y="956160"/>
-            <a:ext cx="3649680" cy="474840"/>
+            <a:ext cx="3649320" cy="474480"/>
           </a:xfrm>
           <a:prstGeom prst="rect">
             <a:avLst/>
@@ -6779,7 +6653,7 @@
         <p:spPr>
           <a:xfrm>
             <a:off x="3960000" y="2232000"/>
-            <a:ext cx="172080" cy="337680"/>
+            <a:ext cx="171720" cy="337320"/>
           </a:xfrm>
           <a:prstGeom prst="rect">
             <a:avLst/>
@@ -6809,7 +6683,7 @@
         <p:spPr>
           <a:xfrm>
             <a:off x="576000" y="4194000"/>
-            <a:ext cx="3231360" cy="2421360"/>
+            <a:ext cx="3231000" cy="2421000"/>
           </a:xfrm>
           <a:prstGeom prst="rect">
             <a:avLst/>
@@ -6828,7 +6702,7 @@
         <p:spPr>
           <a:xfrm>
             <a:off x="545760" y="3741120"/>
-            <a:ext cx="3477600" cy="474840"/>
+            <a:ext cx="3477240" cy="474480"/>
           </a:xfrm>
           <a:prstGeom prst="rect">
             <a:avLst/>
@@ -6903,7 +6777,7 @@
         <p:spPr>
           <a:xfrm>
             <a:off x="4968000" y="1368000"/>
-            <a:ext cx="3231360" cy="2338560"/>
+            <a:ext cx="3231000" cy="2338200"/>
           </a:xfrm>
           <a:prstGeom prst="rect">
             <a:avLst/>
@@ -6922,7 +6796,7 @@
         <p:spPr>
           <a:xfrm>
             <a:off x="4595760" y="1028520"/>
-            <a:ext cx="3675600" cy="474840"/>
+            <a:ext cx="3675240" cy="474480"/>
           </a:xfrm>
           <a:prstGeom prst="rect">
             <a:avLst/>
@@ -6997,7 +6871,7 @@
         <p:spPr>
           <a:xfrm>
             <a:off x="4968000" y="4194000"/>
-            <a:ext cx="3231360" cy="2421360"/>
+            <a:ext cx="3231000" cy="2421000"/>
           </a:xfrm>
           <a:prstGeom prst="rect">
             <a:avLst/>
@@ -7016,7 +6890,7 @@
         <p:spPr>
           <a:xfrm>
             <a:off x="4968000" y="3764520"/>
-            <a:ext cx="3503520" cy="474840"/>
+            <a:ext cx="3503160" cy="474480"/>
           </a:xfrm>
           <a:prstGeom prst="rect">
             <a:avLst/>
@@ -7087,7 +6961,7 @@
         <p:spPr>
           <a:xfrm>
             <a:off x="457200" y="72000"/>
-            <a:ext cx="8207640" cy="1121040"/>
+            <a:ext cx="8207280" cy="1120680"/>
           </a:xfrm>
           <a:prstGeom prst="rect">
             <a:avLst/>
@@ -7138,7 +7012,7 @@
         <p:spPr>
           <a:xfrm>
             <a:off x="8460000" y="0"/>
-            <a:ext cx="670320" cy="455400"/>
+            <a:ext cx="669960" cy="455400"/>
           </a:xfrm>
           <a:prstGeom prst="rect">
             <a:avLst/>
@@ -7164,7 +7038,7 @@
                 <a:spcPct val="100000"/>
               </a:lnSpc>
             </a:pPr>
-            <a:fld id="{1B3D26C1-6E4B-455A-ADB5-0E8224C1028F}" type="slidenum">
+            <a:fld id="{100DB189-DA9F-4C88-A94E-4B557244D88A}" type="slidenum">
               <a:rPr b="0" lang="ru-RU" sz="2400" spc="-1" strike="noStrike">
                 <a:solidFill>
                   <a:srgbClr val="000000"/>
@@ -7172,7 +7046,7 @@
                 <a:latin typeface="Arial"/>
                 <a:ea typeface="DejaVu Sans"/>
               </a:rPr>
-              <a:t>11</a:t>
+              <a:t>&lt;номер&gt;</a:t>
             </a:fld>
             <a:endParaRPr b="0" lang="ru-RU" sz="2400" spc="-1" strike="noStrike">
               <a:latin typeface="Arial"/>
@@ -7223,7 +7097,7 @@
         <p:spPr>
           <a:xfrm>
             <a:off x="2673720" y="1733400"/>
-            <a:ext cx="3231720" cy="2338920"/>
+            <a:ext cx="3231360" cy="2338560"/>
           </a:xfrm>
           <a:prstGeom prst="rect">
             <a:avLst/>
@@ -7246,7 +7120,7 @@
         <p:spPr>
           <a:xfrm>
             <a:off x="4392000" y="4338000"/>
-            <a:ext cx="3231720" cy="2421720"/>
+            <a:ext cx="3231360" cy="2421360"/>
           </a:xfrm>
           <a:prstGeom prst="rect">
             <a:avLst/>
@@ -7269,7 +7143,7 @@
         <p:spPr>
           <a:xfrm>
             <a:off x="1296000" y="4330800"/>
-            <a:ext cx="3231720" cy="2421720"/>
+            <a:ext cx="3231360" cy="2421360"/>
           </a:xfrm>
           <a:prstGeom prst="rect">
             <a:avLst/>
@@ -7288,7 +7162,7 @@
         <p:spPr>
           <a:xfrm>
             <a:off x="3600000" y="1512000"/>
-            <a:ext cx="1647720" cy="278640"/>
+            <a:ext cx="1647360" cy="278280"/>
           </a:xfrm>
           <a:prstGeom prst="rect">
             <a:avLst/>
@@ -7339,7 +7213,7 @@
         <p:spPr>
           <a:xfrm>
             <a:off x="2016000" y="3980520"/>
-            <a:ext cx="1935720" cy="475200"/>
+            <a:ext cx="1935360" cy="474840"/>
           </a:xfrm>
           <a:prstGeom prst="rect">
             <a:avLst/>
@@ -7390,7 +7264,7 @@
         <p:spPr>
           <a:xfrm>
             <a:off x="5112000" y="3960000"/>
-            <a:ext cx="1935720" cy="475200"/>
+            <a:ext cx="1935360" cy="474840"/>
           </a:xfrm>
           <a:prstGeom prst="rect">
             <a:avLst/>
@@ -7441,7 +7315,7 @@
         <p:spPr>
           <a:xfrm>
             <a:off x="8460360" y="0"/>
-            <a:ext cx="670320" cy="455400"/>
+            <a:ext cx="669960" cy="455400"/>
           </a:xfrm>
           <a:prstGeom prst="rect">
             <a:avLst/>
@@ -7467,7 +7341,7 @@
                 <a:spcPct val="100000"/>
               </a:lnSpc>
             </a:pPr>
-            <a:fld id="{A371EB87-ABF5-4FC5-9D56-3F53A7BB50DC}" type="slidenum">
+            <a:fld id="{6FE8A256-F75B-4E28-B260-AA7C8BA42560}" type="slidenum">
               <a:rPr b="0" lang="ru-RU" sz="2400" spc="-1" strike="noStrike">
                 <a:solidFill>
                   <a:srgbClr val="000000"/>
@@ -7492,7 +7366,7 @@
         <p:spPr>
           <a:xfrm>
             <a:off x="457200" y="72000"/>
-            <a:ext cx="8207640" cy="1121040"/>
+            <a:ext cx="8207280" cy="1120680"/>
           </a:xfrm>
           <a:prstGeom prst="rect">
             <a:avLst/>
@@ -7577,7 +7451,7 @@
         <p:spPr>
           <a:xfrm>
             <a:off x="393120" y="1520280"/>
-            <a:ext cx="3232080" cy="2339280"/>
+            <a:ext cx="3231720" cy="2338920"/>
           </a:xfrm>
           <a:prstGeom prst="rect">
             <a:avLst/>
@@ -7600,7 +7474,7 @@
         <p:spPr>
           <a:xfrm>
             <a:off x="465120" y="4015080"/>
-            <a:ext cx="3232080" cy="2339280"/>
+            <a:ext cx="3231720" cy="2338920"/>
           </a:xfrm>
           <a:prstGeom prst="rect">
             <a:avLst/>
@@ -7619,7 +7493,7 @@
         <p:spPr>
           <a:xfrm>
             <a:off x="1185120" y="1232280"/>
-            <a:ext cx="1720080" cy="410400"/>
+            <a:ext cx="1719720" cy="410040"/>
           </a:xfrm>
           <a:prstGeom prst="rect">
             <a:avLst/>
@@ -7674,7 +7548,7 @@
         <p:spPr>
           <a:xfrm>
             <a:off x="4713120" y="3968280"/>
-            <a:ext cx="3232080" cy="2339280"/>
+            <a:ext cx="3231720" cy="2338920"/>
           </a:xfrm>
           <a:prstGeom prst="rect">
             <a:avLst/>
@@ -7693,7 +7567,7 @@
         <p:spPr>
           <a:xfrm>
             <a:off x="5505120" y="1231920"/>
-            <a:ext cx="1720080" cy="338400"/>
+            <a:ext cx="1719720" cy="338040"/>
           </a:xfrm>
           <a:prstGeom prst="rect">
             <a:avLst/>
@@ -7748,7 +7622,7 @@
         <p:spPr>
           <a:xfrm>
             <a:off x="4713120" y="1563840"/>
-            <a:ext cx="3088080" cy="2396520"/>
+            <a:ext cx="3087720" cy="2396160"/>
           </a:xfrm>
           <a:prstGeom prst="rect">
             <a:avLst/>
@@ -7767,7 +7641,7 @@
         <p:spPr>
           <a:xfrm>
             <a:off x="8460360" y="0"/>
-            <a:ext cx="670320" cy="455400"/>
+            <a:ext cx="669960" cy="455400"/>
           </a:xfrm>
           <a:prstGeom prst="rect">
             <a:avLst/>
@@ -7793,7 +7667,7 @@
                 <a:spcPct val="100000"/>
               </a:lnSpc>
             </a:pPr>
-            <a:fld id="{7ABFC183-2F50-4C52-BEB1-4B4A5D44A0A6}" type="slidenum">
+            <a:fld id="{AB18D989-EA9D-4E54-B3A7-951B2F56145E}" type="slidenum">
               <a:rPr b="0" lang="ru-RU" sz="2400" spc="-1" strike="noStrike">
                 <a:solidFill>
                   <a:srgbClr val="000000"/>
@@ -7818,7 +7692,7 @@
         <p:spPr>
           <a:xfrm>
             <a:off x="457200" y="72000"/>
-            <a:ext cx="8207640" cy="1121040"/>
+            <a:ext cx="8207280" cy="1120680"/>
           </a:xfrm>
           <a:prstGeom prst="rect">
             <a:avLst/>
@@ -7871,7 +7745,7 @@
             <p:spPr>
               <a:xfrm>
                 <a:off x="7632000" y="2278800"/>
-                <a:ext cx="1233720" cy="451080"/>
+                <a:ext cx="1233360" cy="450720"/>
               </a:xfrm>
               <a:prstGeom prst="rect">
                 <a:avLst/>
@@ -7933,7 +7807,7 @@
             <p:spPr>
               <a:xfrm>
                 <a:off x="7705440" y="5028120"/>
-                <a:ext cx="1216440" cy="437760"/>
+                <a:ext cx="1216080" cy="437400"/>
               </a:xfrm>
               <a:prstGeom prst="rect">
                 <a:avLst/>
@@ -8027,7 +7901,7 @@
         <p:spPr>
           <a:xfrm>
             <a:off x="1584000" y="2088000"/>
-            <a:ext cx="5420880" cy="3925440"/>
+            <a:ext cx="5420520" cy="3925080"/>
           </a:xfrm>
           <a:prstGeom prst="rect">
             <a:avLst/>
@@ -8050,7 +7924,7 @@
         <p:spPr>
           <a:xfrm>
             <a:off x="1152000" y="1466640"/>
-            <a:ext cx="6513840" cy="4717440"/>
+            <a:ext cx="6513480" cy="4717080"/>
           </a:xfrm>
           <a:prstGeom prst="rect">
             <a:avLst/>
@@ -8069,7 +7943,7 @@
         <p:spPr>
           <a:xfrm>
             <a:off x="8460360" y="0"/>
-            <a:ext cx="670320" cy="455400"/>
+            <a:ext cx="669960" cy="455400"/>
           </a:xfrm>
           <a:prstGeom prst="rect">
             <a:avLst/>
@@ -8095,7 +7969,7 @@
                 <a:spcPct val="100000"/>
               </a:lnSpc>
             </a:pPr>
-            <a:fld id="{139D5740-D31B-4CB6-B6C7-36F0E6307F1A}" type="slidenum">
+            <a:fld id="{0330FD2B-40DB-4ECB-9BA8-E1DF3B20CED8}" type="slidenum">
               <a:rPr b="0" lang="ru-RU" sz="2400" spc="-1" strike="noStrike">
                 <a:solidFill>
                   <a:srgbClr val="000000"/>
@@ -8120,7 +7994,7 @@
         <p:spPr>
           <a:xfrm>
             <a:off x="457200" y="72000"/>
-            <a:ext cx="8207640" cy="1121040"/>
+            <a:ext cx="8207280" cy="1120680"/>
           </a:xfrm>
           <a:prstGeom prst="rect">
             <a:avLst/>
@@ -8205,7 +8079,7 @@
         <p:spPr>
           <a:xfrm>
             <a:off x="648000" y="1440000"/>
-            <a:ext cx="3232080" cy="2508480"/>
+            <a:ext cx="3231720" cy="2508120"/>
           </a:xfrm>
           <a:prstGeom prst="rect">
             <a:avLst/>
@@ -8228,7 +8102,7 @@
         <p:spPr>
           <a:xfrm>
             <a:off x="648000" y="4132800"/>
-            <a:ext cx="3232080" cy="2339280"/>
+            <a:ext cx="3231720" cy="2338920"/>
           </a:xfrm>
           <a:prstGeom prst="rect">
             <a:avLst/>
@@ -8247,7 +8121,7 @@
         <p:spPr>
           <a:xfrm>
             <a:off x="1584000" y="1261080"/>
-            <a:ext cx="1216080" cy="338400"/>
+            <a:ext cx="1215720" cy="338040"/>
           </a:xfrm>
           <a:prstGeom prst="rect">
             <a:avLst/>
@@ -8302,7 +8176,7 @@
         <p:spPr>
           <a:xfrm>
             <a:off x="4608000" y="1512000"/>
-            <a:ext cx="3232080" cy="2422080"/>
+            <a:ext cx="3231720" cy="2421720"/>
           </a:xfrm>
           <a:prstGeom prst="rect">
             <a:avLst/>
@@ -8325,7 +8199,7 @@
         <p:spPr>
           <a:xfrm>
             <a:off x="4598280" y="4176000"/>
-            <a:ext cx="3232080" cy="2339280"/>
+            <a:ext cx="3231720" cy="2338920"/>
           </a:xfrm>
           <a:prstGeom prst="rect">
             <a:avLst/>
@@ -8344,7 +8218,7 @@
         <p:spPr>
           <a:xfrm>
             <a:off x="5544000" y="1261080"/>
-            <a:ext cx="1216080" cy="338400"/>
+            <a:ext cx="1215720" cy="338040"/>
           </a:xfrm>
           <a:prstGeom prst="rect">
             <a:avLst/>
@@ -8395,7 +8269,7 @@
         <p:spPr>
           <a:xfrm>
             <a:off x="8460360" y="0"/>
-            <a:ext cx="670320" cy="455400"/>
+            <a:ext cx="669960" cy="455400"/>
           </a:xfrm>
           <a:prstGeom prst="rect">
             <a:avLst/>
@@ -8421,7 +8295,7 @@
                 <a:spcPct val="100000"/>
               </a:lnSpc>
             </a:pPr>
-            <a:fld id="{24F1E504-2534-451F-A28B-D67E52FC2DB6}" type="slidenum">
+            <a:fld id="{F832C455-F050-4123-8CB9-77E0A5381FBF}" type="slidenum">
               <a:rPr b="0" lang="ru-RU" sz="2400" spc="-1" strike="noStrike">
                 <a:solidFill>
                   <a:srgbClr val="000000"/>
@@ -8446,7 +8320,7 @@
         <p:spPr>
           <a:xfrm>
             <a:off x="457200" y="72000"/>
-            <a:ext cx="8207640" cy="1121040"/>
+            <a:ext cx="8207280" cy="1120680"/>
           </a:xfrm>
           <a:prstGeom prst="rect">
             <a:avLst/>
@@ -8527,7 +8401,7 @@
         <p:spPr>
           <a:xfrm>
             <a:off x="457200" y="90000"/>
-            <a:ext cx="8207640" cy="1121040"/>
+            <a:ext cx="8207280" cy="1120680"/>
           </a:xfrm>
           <a:prstGeom prst="rect">
             <a:avLst/>
@@ -8578,7 +8452,7 @@
         <p:spPr>
           <a:xfrm>
             <a:off x="216000" y="1368000"/>
-            <a:ext cx="8448840" cy="4736160"/>
+            <a:ext cx="8448480" cy="4735800"/>
           </a:xfrm>
           <a:prstGeom prst="rect">
             <a:avLst/>
@@ -8599,7 +8473,7 @@
             <a:noAutofit/>
           </a:bodyPr>
           <a:p>
-            <a:pPr marL="216000" indent="-204120" algn="just">
+            <a:pPr marL="216000" indent="-203760" algn="just">
               <a:lnSpc>
                 <a:spcPct val="115000"/>
               </a:lnSpc>
@@ -8628,7 +8502,7 @@
             </a:endParaRPr>
           </a:p>
           <a:p>
-            <a:pPr marL="216000" indent="-204120" algn="just">
+            <a:pPr marL="216000" indent="-203760" algn="just">
               <a:lnSpc>
                 <a:spcPct val="115000"/>
               </a:lnSpc>
@@ -8657,7 +8531,7 @@
             </a:endParaRPr>
           </a:p>
           <a:p>
-            <a:pPr marL="216000" indent="-204120" algn="just">
+            <a:pPr marL="216000" indent="-203760" algn="just">
               <a:lnSpc>
                 <a:spcPct val="115000"/>
               </a:lnSpc>
@@ -8686,7 +8560,7 @@
             </a:endParaRPr>
           </a:p>
           <a:p>
-            <a:pPr marL="216000" indent="-204120" algn="just">
+            <a:pPr marL="216000" indent="-203760" algn="just">
               <a:lnSpc>
                 <a:spcPct val="115000"/>
               </a:lnSpc>
@@ -8725,7 +8599,7 @@
             </a:endParaRPr>
           </a:p>
           <a:p>
-            <a:pPr marL="216000" indent="-204120" algn="just">
+            <a:pPr marL="216000" indent="-203760" algn="just">
               <a:lnSpc>
                 <a:spcPct val="115000"/>
               </a:lnSpc>
@@ -8754,7 +8628,7 @@
             </a:endParaRPr>
           </a:p>
           <a:p>
-            <a:pPr marL="216000" indent="-204120" algn="just">
+            <a:pPr marL="216000" indent="-203760" algn="just">
               <a:lnSpc>
                 <a:spcPct val="115000"/>
               </a:lnSpc>
@@ -8806,7 +8680,7 @@
         <p:spPr>
           <a:xfrm>
             <a:off x="8460360" y="0"/>
-            <a:ext cx="670320" cy="455400"/>
+            <a:ext cx="669960" cy="455400"/>
           </a:xfrm>
           <a:prstGeom prst="rect">
             <a:avLst/>
@@ -8832,7 +8706,7 @@
                 <a:spcPct val="100000"/>
               </a:lnSpc>
             </a:pPr>
-            <a:fld id="{427E9536-A202-4AC6-B8D4-5BC3732B5882}" type="slidenum">
+            <a:fld id="{68B084F0-E77A-4F9D-AB17-BFEF8651A9A6}" type="slidenum">
               <a:rPr b="0" lang="ru-RU" sz="2400" spc="-1" strike="noStrike">
                 <a:solidFill>
                   <a:srgbClr val="000000"/>
@@ -8840,7 +8714,7 @@
                 <a:latin typeface="Arial"/>
                 <a:ea typeface="DejaVu Sans"/>
               </a:rPr>
-              <a:t>15</a:t>
+              <a:t>&lt;номер&gt;</a:t>
             </a:fld>
             <a:endParaRPr b="0" lang="ru-RU" sz="2400" spc="-1" strike="noStrike">
               <a:latin typeface="Arial"/>
@@ -8887,7 +8761,7 @@
         <p:spPr>
           <a:xfrm>
             <a:off x="491040" y="446760"/>
-            <a:ext cx="8211600" cy="4507920"/>
+            <a:ext cx="8211240" cy="4507560"/>
           </a:xfrm>
           <a:prstGeom prst="rect">
             <a:avLst/>
@@ -9145,7 +9019,7 @@
         <p:spPr>
           <a:xfrm>
             <a:off x="8460360" y="0"/>
-            <a:ext cx="670320" cy="455400"/>
+            <a:ext cx="669960" cy="455400"/>
           </a:xfrm>
           <a:prstGeom prst="rect">
             <a:avLst/>
@@ -9171,7 +9045,7 @@
                 <a:spcPct val="100000"/>
               </a:lnSpc>
             </a:pPr>
-            <a:fld id="{D4378361-8B90-4F08-B809-128C04F92683}" type="slidenum">
+            <a:fld id="{F9828BCF-9CAD-414C-A8C2-568A346BB2DA}" type="slidenum">
               <a:rPr b="0" lang="ru-RU" sz="2400" spc="-1" strike="noStrike">
                 <a:solidFill>
                   <a:srgbClr val="000000"/>
@@ -9179,7 +9053,7 @@
                 <a:latin typeface="Arial"/>
                 <a:ea typeface="DejaVu Sans"/>
               </a:rPr>
-              <a:t>1</a:t>
+              <a:t>&lt;номер&gt;</a:t>
             </a:fld>
             <a:endParaRPr b="0" lang="ru-RU" sz="2400" spc="-1" strike="noStrike">
               <a:latin typeface="Arial"/>
@@ -9226,7 +9100,7 @@
         <p:spPr>
           <a:xfrm>
             <a:off x="457200" y="274680"/>
-            <a:ext cx="8207640" cy="1121040"/>
+            <a:ext cx="8207280" cy="1120680"/>
           </a:xfrm>
           <a:prstGeom prst="rect">
             <a:avLst/>
@@ -9277,7 +9151,7 @@
         <p:spPr>
           <a:xfrm>
             <a:off x="457200" y="5798160"/>
-            <a:ext cx="2403360" cy="330120"/>
+            <a:ext cx="2403000" cy="329760"/>
           </a:xfrm>
           <a:prstGeom prst="rect">
             <a:avLst/>
@@ -9328,7 +9202,7 @@
         <p:spPr>
           <a:xfrm>
             <a:off x="2949120" y="5785200"/>
-            <a:ext cx="3223800" cy="330120"/>
+            <a:ext cx="3223440" cy="329760"/>
           </a:xfrm>
           <a:prstGeom prst="rect">
             <a:avLst/>
@@ -9383,7 +9257,7 @@
         <p:spPr>
           <a:xfrm>
             <a:off x="3564000" y="1450440"/>
-            <a:ext cx="1562040" cy="2440440"/>
+            <a:ext cx="1561680" cy="2440080"/>
           </a:xfrm>
           <a:prstGeom prst="rect">
             <a:avLst/>
@@ -9406,7 +9280,7 @@
         <p:spPr>
           <a:xfrm>
             <a:off x="216360" y="1845000"/>
-            <a:ext cx="2973960" cy="2007000"/>
+            <a:ext cx="2973600" cy="2006640"/>
           </a:xfrm>
           <a:prstGeom prst="rect">
             <a:avLst/>
@@ -9429,7 +9303,7 @@
         <p:spPr>
           <a:xfrm>
             <a:off x="1307520" y="3618360"/>
-            <a:ext cx="1618560" cy="1904040"/>
+            <a:ext cx="1618200" cy="1903680"/>
           </a:xfrm>
           <a:prstGeom prst="rect">
             <a:avLst/>
@@ -9452,7 +9326,7 @@
         <p:spPr>
           <a:xfrm>
             <a:off x="3708000" y="3835080"/>
-            <a:ext cx="2217960" cy="1725840"/>
+            <a:ext cx="2217600" cy="1725480"/>
           </a:xfrm>
           <a:prstGeom prst="rect">
             <a:avLst/>
@@ -9475,7 +9349,7 @@
         <p:spPr>
           <a:xfrm>
             <a:off x="6243840" y="2468520"/>
-            <a:ext cx="2719800" cy="2719800"/>
+            <a:ext cx="2719440" cy="2719440"/>
           </a:xfrm>
           <a:prstGeom prst="rect">
             <a:avLst/>
@@ -9494,7 +9368,7 @@
         <p:spPr>
           <a:xfrm>
             <a:off x="5994720" y="5754240"/>
-            <a:ext cx="3079800" cy="730080"/>
+            <a:ext cx="3079440" cy="729720"/>
           </a:xfrm>
           <a:prstGeom prst="rect">
             <a:avLst/>
@@ -9548,7 +9422,7 @@
         <p:spPr>
           <a:xfrm>
             <a:off x="8460360" y="0"/>
-            <a:ext cx="670320" cy="455400"/>
+            <a:ext cx="669960" cy="455400"/>
           </a:xfrm>
           <a:prstGeom prst="rect">
             <a:avLst/>
@@ -9574,7 +9448,7 @@
                 <a:spcPct val="100000"/>
               </a:lnSpc>
             </a:pPr>
-            <a:fld id="{3024D809-4ED5-4071-AE38-BB8B58309616}" type="slidenum">
+            <a:fld id="{3FB4B866-FCC3-477E-A67D-3DE41B14E473}" type="slidenum">
               <a:rPr b="0" lang="ru-RU" sz="2400" spc="-1" strike="noStrike">
                 <a:solidFill>
                   <a:srgbClr val="000000"/>
@@ -9629,7 +9503,7 @@
         <p:spPr>
           <a:xfrm>
             <a:off x="457200" y="274680"/>
-            <a:ext cx="8207640" cy="1121040"/>
+            <a:ext cx="8207280" cy="1120680"/>
           </a:xfrm>
           <a:prstGeom prst="rect">
             <a:avLst/>
@@ -9680,7 +9554,7 @@
         <p:spPr>
           <a:xfrm>
             <a:off x="457200" y="1600200"/>
-            <a:ext cx="8207640" cy="4503960"/>
+            <a:ext cx="8207280" cy="4503600"/>
           </a:xfrm>
           <a:prstGeom prst="rect">
             <a:avLst/>
@@ -9706,7 +9580,7 @@
         <p:spPr>
           <a:xfrm>
             <a:off x="381600" y="1996920"/>
-            <a:ext cx="3872160" cy="330480"/>
+            <a:ext cx="3871800" cy="330120"/>
           </a:xfrm>
           <a:prstGeom prst="rect">
             <a:avLst/>
@@ -9757,7 +9631,7 @@
         <p:spPr>
           <a:xfrm>
             <a:off x="4821120" y="1996920"/>
-            <a:ext cx="4016160" cy="330480"/>
+            <a:ext cx="4015800" cy="330120"/>
           </a:xfrm>
           <a:prstGeom prst="rect">
             <a:avLst/>
@@ -9812,7 +9686,7 @@
         <p:spPr>
           <a:xfrm>
             <a:off x="4567680" y="2789280"/>
-            <a:ext cx="4523040" cy="2786760"/>
+            <a:ext cx="4522680" cy="2786400"/>
           </a:xfrm>
           <a:prstGeom prst="rect">
             <a:avLst/>
@@ -9835,7 +9709,7 @@
         <p:spPr>
           <a:xfrm>
             <a:off x="80640" y="2617920"/>
-            <a:ext cx="4473720" cy="2878560"/>
+            <a:ext cx="4473360" cy="2878200"/>
           </a:xfrm>
           <a:prstGeom prst="rect">
             <a:avLst/>
@@ -9854,7 +9728,7 @@
         <p:spPr>
           <a:xfrm>
             <a:off x="8460360" y="0"/>
-            <a:ext cx="670320" cy="455400"/>
+            <a:ext cx="669960" cy="455400"/>
           </a:xfrm>
           <a:prstGeom prst="rect">
             <a:avLst/>
@@ -9880,7 +9754,7 @@
                 <a:spcPct val="100000"/>
               </a:lnSpc>
             </a:pPr>
-            <a:fld id="{8662FD4B-129E-4890-A6BF-7B56A4936BBD}" type="slidenum">
+            <a:fld id="{4A55D9E7-F4C0-4895-9531-B4E830CAE8DC}" type="slidenum">
               <a:rPr b="0" lang="ru-RU" sz="2400" spc="-1" strike="noStrike">
                 <a:solidFill>
                   <a:srgbClr val="000000"/>
@@ -9935,7 +9809,7 @@
         <p:spPr>
           <a:xfrm>
             <a:off x="457200" y="274680"/>
-            <a:ext cx="8207640" cy="1121040"/>
+            <a:ext cx="8207280" cy="1120680"/>
           </a:xfrm>
           <a:prstGeom prst="rect">
             <a:avLst/>
@@ -9986,7 +9860,7 @@
         <p:spPr>
           <a:xfrm>
             <a:off x="457200" y="1600200"/>
-            <a:ext cx="8207640" cy="4503960"/>
+            <a:ext cx="8207280" cy="4503600"/>
           </a:xfrm>
           <a:prstGeom prst="rect">
             <a:avLst/>
@@ -10012,9 +9886,9 @@
         <p:grpSpPr>
           <a:xfrm>
             <a:off x="323640" y="1845000"/>
-            <a:ext cx="8576640" cy="3471840"/>
+            <a:ext cx="8576280" cy="3471480"/>
             <a:chOff x="323640" y="1845000"/>
-            <a:chExt cx="8576640" cy="3471840"/>
+            <a:chExt cx="8576280" cy="3471480"/>
           </a:xfrm>
         </p:grpSpPr>
         <p:pic>
@@ -10030,7 +9904,7 @@
           <p:spPr>
             <a:xfrm>
               <a:off x="323640" y="1845000"/>
-              <a:ext cx="8576640" cy="3471840"/>
+              <a:ext cx="8576280" cy="3471480"/>
             </a:xfrm>
             <a:prstGeom prst="rect">
               <a:avLst/>
@@ -10049,7 +9923,7 @@
           <p:spPr>
             <a:xfrm>
               <a:off x="6804360" y="3285000"/>
-              <a:ext cx="490680" cy="356040"/>
+              <a:ext cx="490320" cy="355680"/>
             </a:xfrm>
             <a:prstGeom prst="rect">
               <a:avLst/>
@@ -10075,7 +9949,7 @@
           <p:spPr>
             <a:xfrm>
               <a:off x="6876360" y="3285000"/>
-              <a:ext cx="418680" cy="387360"/>
+              <a:ext cx="418320" cy="387000"/>
             </a:xfrm>
             <a:prstGeom prst="rect">
               <a:avLst/>
@@ -10106,7 +9980,7 @@
           <p:spPr>
             <a:xfrm>
               <a:off x="6840360" y="3316320"/>
-              <a:ext cx="490680" cy="333000"/>
+              <a:ext cx="490320" cy="333000"/>
             </a:xfrm>
             <a:prstGeom prst="rect">
               <a:avLst/>
@@ -10157,7 +10031,7 @@
           <p:spPr>
             <a:xfrm>
               <a:off x="3754080" y="2605680"/>
-              <a:ext cx="480600" cy="387360"/>
+              <a:ext cx="480240" cy="387000"/>
             </a:xfrm>
             <a:prstGeom prst="rect">
               <a:avLst/>
@@ -10188,7 +10062,7 @@
           <p:spPr>
             <a:xfrm>
               <a:off x="3701160" y="2637000"/>
-              <a:ext cx="706680" cy="363960"/>
+              <a:ext cx="706320" cy="363960"/>
             </a:xfrm>
             <a:prstGeom prst="rect">
               <a:avLst/>
@@ -10239,7 +10113,7 @@
           <p:spPr>
             <a:xfrm>
               <a:off x="3747600" y="4077000"/>
-              <a:ext cx="480600" cy="387360"/>
+              <a:ext cx="480240" cy="387000"/>
             </a:xfrm>
             <a:prstGeom prst="rect">
               <a:avLst/>
@@ -10270,7 +10144,7 @@
           <p:spPr>
             <a:xfrm>
               <a:off x="3701160" y="4077000"/>
-              <a:ext cx="641520" cy="363960"/>
+              <a:ext cx="641160" cy="363960"/>
             </a:xfrm>
             <a:prstGeom prst="rect">
               <a:avLst/>
@@ -10322,7 +10196,7 @@
         <p:spPr>
           <a:xfrm>
             <a:off x="8460360" y="0"/>
-            <a:ext cx="670320" cy="455400"/>
+            <a:ext cx="669960" cy="455400"/>
           </a:xfrm>
           <a:prstGeom prst="rect">
             <a:avLst/>
@@ -10348,7 +10222,7 @@
                 <a:spcPct val="100000"/>
               </a:lnSpc>
             </a:pPr>
-            <a:fld id="{A495128C-64CD-4BC2-9E58-78B696E6318C}" type="slidenum">
+            <a:fld id="{9938C6CE-3552-4E0D-8AFC-D1A62DB905A9}" type="slidenum">
               <a:rPr b="0" lang="ru-RU" sz="2400" spc="-1" strike="noStrike">
                 <a:solidFill>
                   <a:srgbClr val="000000"/>
@@ -10403,7 +10277,7 @@
         <p:spPr>
           <a:xfrm>
             <a:off x="457200" y="274680"/>
-            <a:ext cx="8207640" cy="1121040"/>
+            <a:ext cx="8207280" cy="1120680"/>
           </a:xfrm>
           <a:prstGeom prst="rect">
             <a:avLst/>
@@ -10454,7 +10328,7 @@
         <p:spPr>
           <a:xfrm>
             <a:off x="470160" y="1676880"/>
-            <a:ext cx="3800520" cy="586800"/>
+            <a:ext cx="3800160" cy="586440"/>
           </a:xfrm>
           <a:prstGeom prst="rect">
             <a:avLst/>
@@ -10505,7 +10379,7 @@
         <p:spPr>
           <a:xfrm>
             <a:off x="4572000" y="1686240"/>
-            <a:ext cx="3800520" cy="586800"/>
+            <a:ext cx="3800160" cy="586440"/>
           </a:xfrm>
           <a:prstGeom prst="rect">
             <a:avLst/>
@@ -10560,7 +10434,7 @@
         <p:spPr>
           <a:xfrm>
             <a:off x="827640" y="2324880"/>
-            <a:ext cx="3875040" cy="2579040"/>
+            <a:ext cx="3874680" cy="2578680"/>
           </a:xfrm>
           <a:prstGeom prst="rect">
             <a:avLst/>
@@ -10583,7 +10457,7 @@
         <p:spPr>
           <a:xfrm>
             <a:off x="5047920" y="2315520"/>
-            <a:ext cx="3975480" cy="3404160"/>
+            <a:ext cx="3975120" cy="3403800"/>
           </a:xfrm>
           <a:prstGeom prst="rect">
             <a:avLst/>
@@ -10602,7 +10476,7 @@
         <p:spPr>
           <a:xfrm>
             <a:off x="8460360" y="0"/>
-            <a:ext cx="670320" cy="455400"/>
+            <a:ext cx="669960" cy="455400"/>
           </a:xfrm>
           <a:prstGeom prst="rect">
             <a:avLst/>
@@ -10628,7 +10502,7 @@
                 <a:spcPct val="100000"/>
               </a:lnSpc>
             </a:pPr>
-            <a:fld id="{E06489E4-C9C3-43FC-8AF1-DAEBF1DA7E2A}" type="slidenum">
+            <a:fld id="{0C078538-A7E9-49CC-8118-A4CBB9352123}" type="slidenum">
               <a:rPr b="0" lang="ru-RU" sz="2400" spc="-1" strike="noStrike">
                 <a:solidFill>
                   <a:srgbClr val="000000"/>
@@ -10683,7 +10557,7 @@
         <p:spPr>
           <a:xfrm>
             <a:off x="457200" y="276120"/>
-            <a:ext cx="8207640" cy="1121040"/>
+            <a:ext cx="8207280" cy="1120680"/>
           </a:xfrm>
           <a:prstGeom prst="rect">
             <a:avLst/>
@@ -10734,7 +10608,7 @@
         <p:spPr>
           <a:xfrm>
             <a:off x="457200" y="1600200"/>
-            <a:ext cx="8207640" cy="4503960"/>
+            <a:ext cx="8207280" cy="4503600"/>
           </a:xfrm>
           <a:prstGeom prst="rect">
             <a:avLst/>
@@ -10760,7 +10634,7 @@
         <p:spPr>
           <a:xfrm>
             <a:off x="467640" y="5058000"/>
-            <a:ext cx="8555760" cy="1309320"/>
+            <a:ext cx="8555400" cy="1309320"/>
           </a:xfrm>
           <a:prstGeom prst="rect">
             <a:avLst/>
@@ -10901,7 +10775,7 @@
         <p:spPr>
           <a:xfrm>
             <a:off x="467640" y="1755720"/>
-            <a:ext cx="4379040" cy="699480"/>
+            <a:ext cx="4378680" cy="699480"/>
           </a:xfrm>
           <a:prstGeom prst="rect">
             <a:avLst/>
@@ -10983,7 +10857,7 @@
         <p:spPr>
           <a:xfrm>
             <a:off x="4932000" y="1755720"/>
-            <a:ext cx="4379040" cy="699480"/>
+            <a:ext cx="4378680" cy="699480"/>
           </a:xfrm>
           <a:prstGeom prst="rect">
             <a:avLst/>
@@ -11065,7 +10939,7 @@
         <p:spPr>
           <a:xfrm flipH="1">
             <a:off x="2901960" y="1268640"/>
-            <a:ext cx="1210680" cy="473400"/>
+            <a:ext cx="1210320" cy="473040"/>
           </a:xfrm>
           <a:custGeom>
             <a:avLst/>
@@ -11108,7 +10982,7 @@
         <p:spPr>
           <a:xfrm>
             <a:off x="4140000" y="1268640"/>
-            <a:ext cx="1210680" cy="473400"/>
+            <a:ext cx="1210320" cy="473040"/>
           </a:xfrm>
           <a:custGeom>
             <a:avLst/>
@@ -11202,7 +11076,7 @@
         <p:spPr>
           <a:xfrm>
             <a:off x="6456960" y="3531240"/>
-            <a:ext cx="360" cy="463320"/>
+            <a:ext cx="360" cy="462960"/>
           </a:xfrm>
           <a:custGeom>
             <a:avLst/>
@@ -11296,7 +11170,7 @@
         <p:spPr>
           <a:xfrm>
             <a:off x="2099880" y="3531240"/>
-            <a:ext cx="360" cy="463320"/>
+            <a:ext cx="360" cy="462960"/>
           </a:xfrm>
           <a:custGeom>
             <a:avLst/>
@@ -11339,7 +11213,7 @@
         <p:spPr>
           <a:xfrm>
             <a:off x="8460360" y="0"/>
-            <a:ext cx="670320" cy="455400"/>
+            <a:ext cx="669960" cy="455400"/>
           </a:xfrm>
           <a:prstGeom prst="rect">
             <a:avLst/>
@@ -11365,7 +11239,7 @@
                 <a:spcPct val="100000"/>
               </a:lnSpc>
             </a:pPr>
-            <a:fld id="{BC7BB850-F349-4539-991A-8C414256C357}" type="slidenum">
+            <a:fld id="{42808707-D33D-4F71-B06D-46C01E1987AB}" type="slidenum">
               <a:rPr b="0" lang="ru-RU" sz="2400" spc="-1" strike="noStrike">
                 <a:solidFill>
                   <a:srgbClr val="000000"/>
@@ -11394,7 +11268,7 @@
         <p:spPr>
           <a:xfrm>
             <a:off x="965160" y="2654280"/>
-            <a:ext cx="2209680" cy="799920"/>
+            <a:ext cx="2209320" cy="799560"/>
           </a:xfrm>
           <a:prstGeom prst="rect">
             <a:avLst/>
@@ -11417,7 +11291,7 @@
         <p:spPr>
           <a:xfrm>
             <a:off x="4940280" y="2552760"/>
-            <a:ext cx="3238200" cy="977760"/>
+            <a:ext cx="3237840" cy="977400"/>
           </a:xfrm>
           <a:prstGeom prst="rect">
             <a:avLst/>
@@ -11470,7 +11344,7 @@
         <p:spPr>
           <a:xfrm>
             <a:off x="6120000" y="5096160"/>
-            <a:ext cx="2259360" cy="1630800"/>
+            <a:ext cx="2259000" cy="1630440"/>
           </a:xfrm>
           <a:prstGeom prst="rect">
             <a:avLst/>
@@ -11489,7 +11363,7 @@
         <p:spPr>
           <a:xfrm>
             <a:off x="457200" y="274680"/>
-            <a:ext cx="8207640" cy="1121040"/>
+            <a:ext cx="8207280" cy="1120680"/>
           </a:xfrm>
           <a:prstGeom prst="rect">
             <a:avLst/>
@@ -11540,7 +11414,7 @@
         <p:spPr>
           <a:xfrm>
             <a:off x="8460360" y="0"/>
-            <a:ext cx="670320" cy="455400"/>
+            <a:ext cx="669960" cy="455400"/>
           </a:xfrm>
           <a:prstGeom prst="rect">
             <a:avLst/>
@@ -11566,7 +11440,7 @@
                 <a:spcPct val="100000"/>
               </a:lnSpc>
             </a:pPr>
-            <a:fld id="{6938AF18-BF07-4E4C-B70A-41D669A0250C}" type="slidenum">
+            <a:fld id="{60F997AB-6698-48BA-B981-45C2B758B641}" type="slidenum">
               <a:rPr b="0" lang="ru-RU" sz="2400" spc="-1" strike="noStrike">
                 <a:solidFill>
                   <a:srgbClr val="000000"/>
@@ -11574,7 +11448,7 @@
                 <a:latin typeface="Arial"/>
                 <a:ea typeface="DejaVu Sans"/>
               </a:rPr>
-              <a:t>8</a:t>
+              <a:t>&lt;номер&gt;</a:t>
             </a:fld>
             <a:endParaRPr b="0" lang="ru-RU" sz="2400" spc="-1" strike="noStrike">
               <a:latin typeface="Arial"/>
@@ -11595,7 +11469,7 @@
         <p:spPr>
           <a:xfrm>
             <a:off x="216000" y="1152000"/>
-            <a:ext cx="4124160" cy="3833640"/>
+            <a:ext cx="4123800" cy="3833280"/>
           </a:xfrm>
           <a:prstGeom prst="rect">
             <a:avLst/>
@@ -11618,7 +11492,7 @@
         <p:spPr>
           <a:xfrm>
             <a:off x="3980520" y="1296000"/>
-            <a:ext cx="5442120" cy="3929760"/>
+            <a:ext cx="5441760" cy="3929400"/>
           </a:xfrm>
           <a:prstGeom prst="rect">
             <a:avLst/>
@@ -11641,7 +11515,7 @@
         <p:spPr>
           <a:xfrm>
             <a:off x="144000" y="5153400"/>
-            <a:ext cx="6081480" cy="1537920"/>
+            <a:ext cx="6081120" cy="1537560"/>
           </a:xfrm>
           <a:prstGeom prst="rect">
             <a:avLst/>
@@ -11690,7 +11564,7 @@
         <p:spPr>
           <a:xfrm>
             <a:off x="457200" y="422280"/>
-            <a:ext cx="8207640" cy="1121040"/>
+            <a:ext cx="8207280" cy="1120680"/>
           </a:xfrm>
           <a:prstGeom prst="rect">
             <a:avLst/>
@@ -11741,7 +11615,7 @@
         <p:spPr>
           <a:xfrm>
             <a:off x="457200" y="1600200"/>
-            <a:ext cx="8207640" cy="4503960"/>
+            <a:ext cx="8207280" cy="4503600"/>
           </a:xfrm>
           <a:prstGeom prst="rect">
             <a:avLst/>
@@ -11771,7 +11645,7 @@
         <p:spPr>
           <a:xfrm>
             <a:off x="1763640" y="2304000"/>
-            <a:ext cx="5428080" cy="2503800"/>
+            <a:ext cx="5427720" cy="2503440"/>
           </a:xfrm>
           <a:prstGeom prst="rect">
             <a:avLst/>
@@ -11790,7 +11664,7 @@
         <p:spPr>
           <a:xfrm>
             <a:off x="8460360" y="0"/>
-            <a:ext cx="670320" cy="455400"/>
+            <a:ext cx="669960" cy="455400"/>
           </a:xfrm>
           <a:prstGeom prst="rect">
             <a:avLst/>
@@ -11816,7 +11690,7 @@
                 <a:spcPct val="100000"/>
               </a:lnSpc>
             </a:pPr>
-            <a:fld id="{624F0CAB-4E5C-488A-9DE1-87EC30F3FF46}" type="slidenum">
+            <a:fld id="{9DBE53E4-0A90-4B91-97B3-EB3D318E2945}" type="slidenum">
               <a:rPr b="0" lang="ru-RU" sz="2400" spc="-1" strike="noStrike">
                 <a:solidFill>
                   <a:srgbClr val="000000"/>
